--- a/slides/COP2073C-Module10.pptx
+++ b/slides/COP2073C-Module10.pptx
@@ -266,7 +266,7 @@
           <a:p>
             <a:fld id="{2A37B5DA-8E33-465E-AA6E-3D89F39FC24F}" type="datetimeFigureOut">
               <a:rPr lang="en-US" smtClean="0"/>
-              <a:t>7/22/2020</a:t>
+              <a:t>12/29/2022</a:t>
             </a:fld>
             <a:endParaRPr lang="en-US" dirty="0"/>
           </a:p>
@@ -9700,15 +9700,37 @@
           <a:lstStyle/>
           <a:p>
             <a:r>
-              <a:rPr lang="en-US" sz="2800" dirty="0"/>
-              <a:t>Here's a shortcut to display multiple </a:t>
-            </a:r>
-            <a:r>
-              <a:rPr lang="en-US" sz="2800" dirty="0" err="1"/>
+              <a:rPr lang="en-US" sz="2000"/>
+              <a:t>ggplot2 provides a + operator to plot multiple geoms</a:t>
+            </a:r>
+          </a:p>
+          <a:p>
+            <a:r>
+              <a:rPr lang="en-US" sz="2000"/>
+              <a:t>It works similar to the 'pipe' operator (see next module's modelr package)</a:t>
+            </a:r>
+          </a:p>
+          <a:p>
+            <a:r>
+              <a:rPr lang="en-US" sz="2000"/>
+              <a:t>"...if I'd discovered the pipe earlier, there never would've been a ggplot2" – Hadley Wickham</a:t>
+            </a:r>
+          </a:p>
+          <a:p>
+            <a:r>
+              <a:rPr lang="en-US" sz="2000"/>
+              <a:t>Here's </a:t>
+            </a:r>
+            <a:r>
+              <a:rPr lang="en-US" sz="2000" dirty="0"/>
+              <a:t>a shortcut to display multiple </a:t>
+            </a:r>
+            <a:r>
+              <a:rPr lang="en-US" sz="2000" dirty="0" err="1"/>
               <a:t>geoms</a:t>
             </a:r>
             <a:r>
-              <a:rPr lang="en-US" sz="2800" dirty="0"/>
+              <a:rPr lang="en-US" sz="2000" dirty="0"/>
               <a:t> in the same plot</a:t>
             </a:r>
           </a:p>
@@ -9727,14 +9749,14 @@
               <a:t>&gt; </a:t>
             </a:r>
             <a:r>
-              <a:rPr lang="en-US" sz="2400" dirty="0" err="1">
+              <a:rPr lang="en-US" sz="1800" dirty="0" err="1">
                 <a:latin typeface="Courier New" panose="02070309020205020404" pitchFamily="49" charset="0"/>
                 <a:cs typeface="Courier New" panose="02070309020205020404" pitchFamily="49" charset="0"/>
               </a:rPr>
               <a:t>ggplot</a:t>
             </a:r>
             <a:r>
-              <a:rPr lang="en-US" sz="2400" dirty="0">
+              <a:rPr lang="en-US" sz="1800" dirty="0">
                 <a:latin typeface="Courier New" panose="02070309020205020404" pitchFamily="49" charset="0"/>
                 <a:cs typeface="Courier New" panose="02070309020205020404" pitchFamily="49" charset="0"/>
               </a:rPr>
@@ -9746,49 +9768,49 @@
               <a:buNone/>
             </a:pPr>
             <a:r>
-              <a:rPr lang="en-US" sz="2400" dirty="0">
+              <a:rPr lang="en-US" sz="1800" dirty="0">
                 <a:latin typeface="Courier New" panose="02070309020205020404" pitchFamily="49" charset="0"/>
                 <a:cs typeface="Courier New" panose="02070309020205020404" pitchFamily="49" charset="0"/>
               </a:rPr>
               <a:t>      mapping = </a:t>
             </a:r>
             <a:r>
-              <a:rPr lang="en-US" sz="2400" dirty="0" err="1">
+              <a:rPr lang="en-US" sz="1800" dirty="0" err="1">
                 <a:latin typeface="Courier New" panose="02070309020205020404" pitchFamily="49" charset="0"/>
                 <a:cs typeface="Courier New" panose="02070309020205020404" pitchFamily="49" charset="0"/>
               </a:rPr>
               <a:t>aes</a:t>
             </a:r>
             <a:r>
-              <a:rPr lang="en-US" sz="2400" dirty="0">
+              <a:rPr lang="en-US" sz="1800" dirty="0">
                 <a:latin typeface="Courier New" panose="02070309020205020404" pitchFamily="49" charset="0"/>
                 <a:cs typeface="Courier New" panose="02070309020205020404" pitchFamily="49" charset="0"/>
               </a:rPr>
               <a:t>(x = </a:t>
             </a:r>
             <a:r>
-              <a:rPr lang="en-US" sz="2400" dirty="0" err="1">
+              <a:rPr lang="en-US" sz="1800" dirty="0" err="1">
                 <a:latin typeface="Courier New" panose="02070309020205020404" pitchFamily="49" charset="0"/>
                 <a:cs typeface="Courier New" panose="02070309020205020404" pitchFamily="49" charset="0"/>
               </a:rPr>
               <a:t>displ,y</a:t>
             </a:r>
             <a:r>
-              <a:rPr lang="en-US" sz="2400" dirty="0">
+              <a:rPr lang="en-US" sz="1800" dirty="0">
                 <a:latin typeface="Courier New" panose="02070309020205020404" pitchFamily="49" charset="0"/>
                 <a:cs typeface="Courier New" panose="02070309020205020404" pitchFamily="49" charset="0"/>
               </a:rPr>
               <a:t> = </a:t>
             </a:r>
             <a:r>
-              <a:rPr lang="en-US" sz="2400" dirty="0" err="1">
+              <a:rPr lang="en-US" sz="1800" dirty="0" err="1">
                 <a:latin typeface="Courier New" panose="02070309020205020404" pitchFamily="49" charset="0"/>
                 <a:cs typeface="Courier New" panose="02070309020205020404" pitchFamily="49" charset="0"/>
               </a:rPr>
               <a:t>hwy</a:t>
             </a:r>
             <a:r>
-              <a:rPr lang="en-US" sz="2400" dirty="0">
+              <a:rPr lang="en-US" sz="1800" dirty="0">
                 <a:latin typeface="Courier New" panose="02070309020205020404" pitchFamily="49" charset="0"/>
                 <a:cs typeface="Courier New" panose="02070309020205020404" pitchFamily="49" charset="0"/>
               </a:rPr>
@@ -9800,46 +9822,51 @@
               <a:buNone/>
             </a:pPr>
             <a:r>
-              <a:rPr lang="en-US" sz="2400" dirty="0">
+              <a:rPr lang="en-US" sz="1800" dirty="0">
                 <a:latin typeface="Courier New" panose="02070309020205020404" pitchFamily="49" charset="0"/>
                 <a:cs typeface="Courier New" panose="02070309020205020404" pitchFamily="49" charset="0"/>
               </a:rPr>
               <a:t>      </a:t>
             </a:r>
             <a:r>
-              <a:rPr lang="en-US" sz="2400" dirty="0" err="1">
+              <a:rPr lang="en-US" sz="1800" b="1" dirty="0" err="1">
                 <a:latin typeface="Courier New" panose="02070309020205020404" pitchFamily="49" charset="0"/>
                 <a:cs typeface="Courier New" panose="02070309020205020404" pitchFamily="49" charset="0"/>
               </a:rPr>
               <a:t>geom_point</a:t>
             </a:r>
             <a:r>
-              <a:rPr lang="en-US" sz="2400" dirty="0">
+              <a:rPr lang="en-US" sz="1800" b="1" dirty="0">
                 <a:latin typeface="Courier New" panose="02070309020205020404" pitchFamily="49" charset="0"/>
                 <a:cs typeface="Courier New" panose="02070309020205020404" pitchFamily="49" charset="0"/>
               </a:rPr>
               <a:t>() + </a:t>
             </a:r>
             <a:r>
-              <a:rPr lang="en-US" sz="2400" dirty="0" err="1">
-                <a:latin typeface="Courier New" panose="02070309020205020404" pitchFamily="49" charset="0"/>
-                <a:cs typeface="Courier New" panose="02070309020205020404" pitchFamily="49" charset="0"/>
-              </a:rPr>
-              <a:t>geom_smooth</a:t>
-            </a:r>
-            <a:r>
-              <a:rPr lang="en-US" sz="2400" dirty="0">
+              <a:rPr lang="en-US" sz="1800" b="1" dirty="0" err="1">
+                <a:latin typeface="Courier New" panose="02070309020205020404" pitchFamily="49" charset="0"/>
+                <a:cs typeface="Courier New" panose="02070309020205020404" pitchFamily="49" charset="0"/>
+              </a:rPr>
+              <a:t>geom_</a:t>
+            </a:r>
+            <a:r>
+              <a:rPr lang="en-US" sz="1800" b="1" err="1">
+                <a:latin typeface="Courier New" panose="02070309020205020404" pitchFamily="49" charset="0"/>
+                <a:cs typeface="Courier New" panose="02070309020205020404" pitchFamily="49" charset="0"/>
+              </a:rPr>
+              <a:t>smooth</a:t>
+            </a:r>
+            <a:r>
+              <a:rPr lang="en-US" sz="1800" b="1">
                 <a:latin typeface="Courier New" panose="02070309020205020404" pitchFamily="49" charset="0"/>
                 <a:cs typeface="Courier New" panose="02070309020205020404" pitchFamily="49" charset="0"/>
               </a:rPr>
               <a:t>()</a:t>
             </a:r>
-          </a:p>
-          <a:p>
-            <a:endParaRPr lang="en-US" dirty="0"/>
-          </a:p>
-          <a:p>
-            <a:endParaRPr lang="en-US" dirty="0"/>
+            <a:endParaRPr lang="en-US" sz="1800" b="1" dirty="0">
+              <a:latin typeface="Courier New" panose="02070309020205020404" pitchFamily="49" charset="0"/>
+              <a:cs typeface="Courier New" panose="02070309020205020404" pitchFamily="49" charset="0"/>
+            </a:endParaRPr>
           </a:p>
         </p:txBody>
       </p:sp>
@@ -9894,7 +9921,7 @@
         </p:blipFill>
         <p:spPr>
           <a:xfrm>
-            <a:off x="3145164" y="3596257"/>
+            <a:off x="6838206" y="3429000"/>
             <a:ext cx="4146613" cy="3017520"/>
           </a:xfrm>
           <a:prstGeom prst="rect">
@@ -20386,9 +20413,10 @@
           <a:lstStyle/>
           <a:p>
             <a:r>
-              <a:rPr lang="en-US" sz="3600" dirty="0"/>
+              <a:rPr lang="en-US" sz="3600"/>
               <a:t>Answering Questions with Visualization</a:t>
             </a:r>
+            <a:endParaRPr lang="en-US" sz="3600" dirty="0"/>
           </a:p>
         </p:txBody>
       </p:sp>

--- a/slides/COP2073C-Module10.pptx
+++ b/slides/COP2073C-Module10.pptx
@@ -266,7 +266,7 @@
           <a:p>
             <a:fld id="{2A37B5DA-8E33-465E-AA6E-3D89F39FC24F}" type="datetimeFigureOut">
               <a:rPr lang="en-US" smtClean="0"/>
-              <a:t>12/29/2022</a:t>
+              <a:t>12/31/2022</a:t>
             </a:fld>
             <a:endParaRPr lang="en-US" dirty="0"/>
           </a:p>
@@ -13628,61 +13628,47 @@
         </p:spPr>
         <p:txBody>
           <a:bodyPr>
-            <a:normAutofit fontScale="77500" lnSpcReduction="20000"/>
+            <a:normAutofit/>
           </a:bodyPr>
           <a:lstStyle/>
           <a:p>
-            <a:pPr>
-              <a:lnSpc>
-                <a:spcPct val="120000"/>
-              </a:lnSpc>
-            </a:pPr>
-            <a:r>
-              <a:rPr lang="en-US" sz="3100" dirty="0"/>
+            <a:r>
+              <a:rPr lang="en-US" sz="2400" dirty="0"/>
               <a:t>filter() allows you to subset observations based on their values</a:t>
             </a:r>
           </a:p>
           <a:p>
-            <a:pPr lvl="1">
-              <a:lnSpc>
-                <a:spcPct val="120000"/>
-              </a:lnSpc>
-            </a:pPr>
-            <a:r>
-              <a:rPr lang="en-US" sz="2600" dirty="0"/>
+            <a:pPr lvl="1"/>
+            <a:r>
+              <a:rPr lang="en-US" sz="1800" dirty="0"/>
               <a:t>The first argument is the name of the data frame</a:t>
             </a:r>
           </a:p>
           <a:p>
-            <a:pPr lvl="1">
-              <a:lnSpc>
-                <a:spcPct val="120000"/>
-              </a:lnSpc>
-            </a:pPr>
-            <a:r>
-              <a:rPr lang="en-US" sz="2600" dirty="0"/>
+            <a:pPr lvl="1"/>
+            <a:r>
+              <a:rPr lang="en-US" sz="1800" dirty="0"/>
               <a:t>The second and subsequent arguments are the expressions that filter the data frame</a:t>
             </a:r>
           </a:p>
           <a:p>
-            <a:pPr>
-              <a:lnSpc>
-                <a:spcPct val="120000"/>
-              </a:lnSpc>
-            </a:pPr>
-            <a:r>
-              <a:rPr lang="en-US" sz="3100" dirty="0"/>
-              <a:t>To select all flights on January 1</a:t>
-            </a:r>
-            <a:r>
-              <a:rPr lang="en-US" sz="3100" baseline="30000" dirty="0"/>
+            <a:r>
+              <a:rPr lang="en-US" sz="2400"/>
+              <a:t>Select </a:t>
+            </a:r>
+            <a:r>
+              <a:rPr lang="en-US" sz="2400" dirty="0"/>
+              <a:t>all flights on January 1</a:t>
+            </a:r>
+            <a:r>
+              <a:rPr lang="en-US" sz="2400" baseline="30000" dirty="0"/>
               <a:t>st</a:t>
             </a:r>
             <a:r>
-              <a:rPr lang="en-US" sz="3100" dirty="0"/>
+              <a:rPr lang="en-US" sz="2400" dirty="0"/>
               <a:t>:</a:t>
             </a:r>
-            <a:endParaRPr lang="en-US" sz="1700" dirty="0">
+            <a:endParaRPr lang="en-US" sz="2400" dirty="0">
               <a:latin typeface="Courier New" panose="02070309020205020404" pitchFamily="49" charset="0"/>
               <a:cs typeface="Courier New" panose="02070309020205020404" pitchFamily="49" charset="0"/>
             </a:endParaRPr>
@@ -13732,7 +13718,7 @@
         </p:nvSpPr>
         <p:spPr>
           <a:xfrm>
-            <a:off x="1959864" y="3247888"/>
+            <a:off x="2338897" y="3047400"/>
             <a:ext cx="6717792" cy="3139321"/>
           </a:xfrm>
           <a:prstGeom prst="rect">
@@ -14187,7 +14173,7 @@
         </p:spPr>
         <p:txBody>
           <a:bodyPr>
-            <a:normAutofit/>
+            <a:normAutofit fontScale="92500" lnSpcReduction="10000"/>
           </a:bodyPr>
           <a:lstStyle/>
           <a:p>
@@ -14201,8 +14187,22 @@
               <a:buNone/>
             </a:pPr>
             <a:r>
+              <a:rPr lang="en-US" sz="2400"/>
+              <a:t># square root of 2 squared should be 2</a:t>
+            </a:r>
+            <a:endParaRPr lang="da-DK" sz="2400"/>
+          </a:p>
+          <a:p>
+            <a:pPr marL="914400" indent="0">
+              <a:buNone/>
+            </a:pPr>
+            <a:r>
+              <a:rPr lang="da-DK" sz="2400"/>
+              <a:t>&gt; </a:t>
+            </a:r>
+            <a:r>
               <a:rPr lang="da-DK" sz="2400" dirty="0"/>
-              <a:t>&gt; sqrt(2) ^ 2 == 2</a:t>
+              <a:t>sqrt(2) ^ 2 == 2</a:t>
             </a:r>
           </a:p>
           <a:p>
@@ -14211,8 +14211,22 @@
             </a:pPr>
             <a:r>
               <a:rPr lang="da-DK" sz="2400" dirty="0"/>
-              <a:t> [1] FALSE</a:t>
-            </a:r>
+              <a:t> [1</a:t>
+            </a:r>
+            <a:r>
+              <a:rPr lang="da-DK" sz="2400"/>
+              <a:t>] FALSE</a:t>
+            </a:r>
+          </a:p>
+          <a:p>
+            <a:pPr marL="914400" indent="0">
+              <a:buNone/>
+            </a:pPr>
+            <a:r>
+              <a:rPr lang="da-DK" sz="2400"/>
+              <a:t># 1/49 * 49 should be 1</a:t>
+            </a:r>
+            <a:endParaRPr lang="da-DK" sz="2400" dirty="0"/>
           </a:p>
           <a:p>
             <a:pPr marL="914400" indent="0">
@@ -14393,7 +14407,7 @@
         <p:spPr>
           <a:xfrm>
             <a:off x="766916" y="1076960"/>
-            <a:ext cx="8834284" cy="5638482"/>
+            <a:ext cx="10313884" cy="5638482"/>
           </a:xfrm>
         </p:spPr>
         <p:txBody>
@@ -14803,12 +14817,12 @@
         <p:spPr>
           <a:xfrm>
             <a:off x="924232" y="1148080"/>
-            <a:ext cx="8676968" cy="5328920"/>
+            <a:ext cx="10134968" cy="5608002"/>
           </a:xfrm>
         </p:spPr>
         <p:txBody>
           <a:bodyPr>
-            <a:normAutofit fontScale="92500" lnSpcReduction="10000"/>
+            <a:normAutofit fontScale="92500"/>
           </a:bodyPr>
           <a:lstStyle/>
           <a:p>
@@ -15861,12 +15875,12 @@
         <p:spPr>
           <a:xfrm>
             <a:off x="599768" y="1188720"/>
-            <a:ext cx="9001432" cy="5288280"/>
+            <a:ext cx="10077832" cy="5288280"/>
           </a:xfrm>
         </p:spPr>
         <p:txBody>
           <a:bodyPr>
-            <a:normAutofit fontScale="92500"/>
+            <a:normAutofit/>
           </a:bodyPr>
           <a:lstStyle/>
           <a:p>
@@ -18006,32 +18020,34 @@
           </a:xfrm>
         </p:spPr>
         <p:txBody>
-          <a:bodyPr/>
+          <a:bodyPr>
+            <a:normAutofit/>
+          </a:bodyPr>
           <a:lstStyle/>
           <a:p>
             <a:r>
-              <a:rPr lang="en-US" dirty="0"/>
+              <a:rPr lang="en-US" sz="2800" dirty="0"/>
               <a:t>summarize() is an </a:t>
             </a:r>
             <a:r>
-              <a:rPr lang="en-US" u="sng" dirty="0"/>
+              <a:rPr lang="en-US" sz="2800" u="sng" dirty="0"/>
               <a:t>aggregation </a:t>
             </a:r>
             <a:r>
-              <a:rPr lang="en-US" dirty="0"/>
+              <a:rPr lang="en-US" sz="2800" dirty="0"/>
               <a:t>function</a:t>
             </a:r>
           </a:p>
           <a:p>
             <a:pPr lvl="1"/>
             <a:r>
-              <a:rPr lang="en-US" dirty="0"/>
+              <a:rPr lang="en-US" sz="2400" dirty="0"/>
               <a:t>aggregation functions apply a single function to multiple rows or groups of rows</a:t>
             </a:r>
           </a:p>
           <a:p>
             <a:r>
-              <a:rPr lang="en-US" dirty="0"/>
+              <a:rPr lang="en-US" sz="2800" dirty="0"/>
               <a:t>summarize() can collapse a data frame to a single row:</a:t>
             </a:r>
           </a:p>
